--- a/data/G3/3.pptx
+++ b/data/G3/3.pptx
@@ -259,7 +259,7 @@
           <a:p>
             <a:fld id="{EDAB301C-3655-3547-95D0-A243383B3ED3}" type="datetimeFigureOut">
               <a:rPr kumimoji="1" lang="zh-CN" altLang="en-US" smtClean="0"/>
-              <a:t>2020/4/7</a:t>
+              <a:t>2020/5/2</a:t>
             </a:fld>
             <a:endParaRPr kumimoji="1" lang="zh-CN" altLang="en-US"/>
           </a:p>
@@ -457,7 +457,7 @@
           <a:p>
             <a:fld id="{EDAB301C-3655-3547-95D0-A243383B3ED3}" type="datetimeFigureOut">
               <a:rPr kumimoji="1" lang="zh-CN" altLang="en-US" smtClean="0"/>
-              <a:t>2020/4/7</a:t>
+              <a:t>2020/5/2</a:t>
             </a:fld>
             <a:endParaRPr kumimoji="1" lang="zh-CN" altLang="en-US"/>
           </a:p>
@@ -665,7 +665,7 @@
           <a:p>
             <a:fld id="{EDAB301C-3655-3547-95D0-A243383B3ED3}" type="datetimeFigureOut">
               <a:rPr kumimoji="1" lang="zh-CN" altLang="en-US" smtClean="0"/>
-              <a:t>2020/4/7</a:t>
+              <a:t>2020/5/2</a:t>
             </a:fld>
             <a:endParaRPr kumimoji="1" lang="zh-CN" altLang="en-US"/>
           </a:p>
@@ -863,7 +863,7 @@
           <a:p>
             <a:fld id="{EDAB301C-3655-3547-95D0-A243383B3ED3}" type="datetimeFigureOut">
               <a:rPr kumimoji="1" lang="zh-CN" altLang="en-US" smtClean="0"/>
-              <a:t>2020/4/7</a:t>
+              <a:t>2020/5/2</a:t>
             </a:fld>
             <a:endParaRPr kumimoji="1" lang="zh-CN" altLang="en-US"/>
           </a:p>
@@ -1138,7 +1138,7 @@
           <a:p>
             <a:fld id="{EDAB301C-3655-3547-95D0-A243383B3ED3}" type="datetimeFigureOut">
               <a:rPr kumimoji="1" lang="zh-CN" altLang="en-US" smtClean="0"/>
-              <a:t>2020/4/7</a:t>
+              <a:t>2020/5/2</a:t>
             </a:fld>
             <a:endParaRPr kumimoji="1" lang="zh-CN" altLang="en-US"/>
           </a:p>
@@ -1403,7 +1403,7 @@
           <a:p>
             <a:fld id="{EDAB301C-3655-3547-95D0-A243383B3ED3}" type="datetimeFigureOut">
               <a:rPr kumimoji="1" lang="zh-CN" altLang="en-US" smtClean="0"/>
-              <a:t>2020/4/7</a:t>
+              <a:t>2020/5/2</a:t>
             </a:fld>
             <a:endParaRPr kumimoji="1" lang="zh-CN" altLang="en-US"/>
           </a:p>
@@ -1815,7 +1815,7 @@
           <a:p>
             <a:fld id="{EDAB301C-3655-3547-95D0-A243383B3ED3}" type="datetimeFigureOut">
               <a:rPr kumimoji="1" lang="zh-CN" altLang="en-US" smtClean="0"/>
-              <a:t>2020/4/7</a:t>
+              <a:t>2020/5/2</a:t>
             </a:fld>
             <a:endParaRPr kumimoji="1" lang="zh-CN" altLang="en-US"/>
           </a:p>
@@ -1956,7 +1956,7 @@
           <a:p>
             <a:fld id="{EDAB301C-3655-3547-95D0-A243383B3ED3}" type="datetimeFigureOut">
               <a:rPr kumimoji="1" lang="zh-CN" altLang="en-US" smtClean="0"/>
-              <a:t>2020/4/7</a:t>
+              <a:t>2020/5/2</a:t>
             </a:fld>
             <a:endParaRPr kumimoji="1" lang="zh-CN" altLang="en-US"/>
           </a:p>
@@ -2069,7 +2069,7 @@
           <a:p>
             <a:fld id="{EDAB301C-3655-3547-95D0-A243383B3ED3}" type="datetimeFigureOut">
               <a:rPr kumimoji="1" lang="zh-CN" altLang="en-US" smtClean="0"/>
-              <a:t>2020/4/7</a:t>
+              <a:t>2020/5/2</a:t>
             </a:fld>
             <a:endParaRPr kumimoji="1" lang="zh-CN" altLang="en-US"/>
           </a:p>
@@ -2380,7 +2380,7 @@
           <a:p>
             <a:fld id="{EDAB301C-3655-3547-95D0-A243383B3ED3}" type="datetimeFigureOut">
               <a:rPr kumimoji="1" lang="zh-CN" altLang="en-US" smtClean="0"/>
-              <a:t>2020/4/7</a:t>
+              <a:t>2020/5/2</a:t>
             </a:fld>
             <a:endParaRPr kumimoji="1" lang="zh-CN" altLang="en-US"/>
           </a:p>
@@ -2668,7 +2668,7 @@
           <a:p>
             <a:fld id="{EDAB301C-3655-3547-95D0-A243383B3ED3}" type="datetimeFigureOut">
               <a:rPr kumimoji="1" lang="zh-CN" altLang="en-US" smtClean="0"/>
-              <a:t>2020/4/7</a:t>
+              <a:t>2020/5/2</a:t>
             </a:fld>
             <a:endParaRPr kumimoji="1" lang="zh-CN" altLang="en-US"/>
           </a:p>
@@ -2909,7 +2909,7 @@
           <a:p>
             <a:fld id="{EDAB301C-3655-3547-95D0-A243383B3ED3}" type="datetimeFigureOut">
               <a:rPr kumimoji="1" lang="zh-CN" altLang="en-US" smtClean="0"/>
-              <a:t>2020/4/7</a:t>
+              <a:t>2020/5/2</a:t>
             </a:fld>
             <a:endParaRPr kumimoji="1" lang="zh-CN" altLang="en-US"/>
           </a:p>
@@ -3342,10 +3342,10 @@
       </p:grpSpPr>
       <p:sp>
         <p:nvSpPr>
-          <p:cNvPr id="2" name="文本框 1">
-            <a:extLst>
-              <a:ext uri="{FF2B5EF4-FFF2-40B4-BE49-F238E27FC236}">
-                <a16:creationId xmlns:a16="http://schemas.microsoft.com/office/drawing/2014/main" id="{AD49A49D-3324-CB49-9DF7-563F9AA4C8EC}"/>
+          <p:cNvPr id="22" name="文本框 21">
+            <a:extLst>
+              <a:ext uri="{FF2B5EF4-FFF2-40B4-BE49-F238E27FC236}">
+                <a16:creationId xmlns:a16="http://schemas.microsoft.com/office/drawing/2014/main" id="{5E2A00FF-B862-FC4E-BE83-0869285BB1D7}"/>
               </a:ext>
             </a:extLst>
           </p:cNvPr>
@@ -3354,8 +3354,8 @@
         </p:nvSpPr>
         <p:spPr>
           <a:xfrm>
-            <a:off x="4656083" y="1261241"/>
-            <a:ext cx="184731" cy="923330"/>
+            <a:off x="4771696" y="1103587"/>
+            <a:ext cx="1107996" cy="923330"/>
           </a:xfrm>
           <a:prstGeom prst="rect">
             <a:avLst/>
@@ -3374,16 +3374,20 @@
             <a:br>
               <a:rPr lang="zh-CN" altLang="en-US" dirty="0"/>
             </a:br>
+            <a:r>
+              <a:rPr lang="zh-CN" altLang="en-US" dirty="0"/>
+              <a:t>㉖㉘㉙㉚</a:t>
+            </a:r>
             <a:endParaRPr kumimoji="1" lang="zh-CN" altLang="en-US" dirty="0"/>
           </a:p>
         </p:txBody>
       </p:sp>
       <p:sp>
         <p:nvSpPr>
-          <p:cNvPr id="3" name="文本框 2">
-            <a:extLst>
-              <a:ext uri="{FF2B5EF4-FFF2-40B4-BE49-F238E27FC236}">
-                <a16:creationId xmlns:a16="http://schemas.microsoft.com/office/drawing/2014/main" id="{A5E64221-280A-CE40-90CE-3EAF38ABE915}"/>
+          <p:cNvPr id="23" name="文本框 22">
+            <a:extLst>
+              <a:ext uri="{FF2B5EF4-FFF2-40B4-BE49-F238E27FC236}">
+                <a16:creationId xmlns:a16="http://schemas.microsoft.com/office/drawing/2014/main" id="{E487784A-C043-5E43-8354-54F90F97D62F}"/>
               </a:ext>
             </a:extLst>
           </p:cNvPr>
@@ -3392,7 +3396,7 @@
         </p:nvSpPr>
         <p:spPr>
           <a:xfrm>
-            <a:off x="1271751" y="3163613"/>
+            <a:off x="11340661" y="651642"/>
             <a:ext cx="415498" cy="369332"/>
           </a:xfrm>
           <a:prstGeom prst="rect">
@@ -3416,10 +3420,10 @@
       </p:sp>
       <p:sp>
         <p:nvSpPr>
-          <p:cNvPr id="4" name="文本框 3">
-            <a:extLst>
-              <a:ext uri="{FF2B5EF4-FFF2-40B4-BE49-F238E27FC236}">
-                <a16:creationId xmlns:a16="http://schemas.microsoft.com/office/drawing/2014/main" id="{DFF9BA7A-840B-D547-8AAD-8E8523175211}"/>
+          <p:cNvPr id="24" name="文本框 23">
+            <a:extLst>
+              <a:ext uri="{FF2B5EF4-FFF2-40B4-BE49-F238E27FC236}">
+                <a16:creationId xmlns:a16="http://schemas.microsoft.com/office/drawing/2014/main" id="{00CB4B25-E86D-8045-8737-71CCC8C90A96}"/>
               </a:ext>
             </a:extLst>
           </p:cNvPr>
@@ -3428,7 +3432,7 @@
         </p:nvSpPr>
         <p:spPr>
           <a:xfrm>
-            <a:off x="8639503" y="4971393"/>
+            <a:off x="10720551" y="3244334"/>
             <a:ext cx="415498" cy="369332"/>
           </a:xfrm>
           <a:prstGeom prst="rect">
@@ -3452,10 +3456,10 @@
       </p:sp>
       <p:sp>
         <p:nvSpPr>
-          <p:cNvPr id="5" name="文本框 4">
-            <a:extLst>
-              <a:ext uri="{FF2B5EF4-FFF2-40B4-BE49-F238E27FC236}">
-                <a16:creationId xmlns:a16="http://schemas.microsoft.com/office/drawing/2014/main" id="{1D27F545-2971-7944-B700-1B537A66D051}"/>
+          <p:cNvPr id="25" name="文本框 24">
+            <a:extLst>
+              <a:ext uri="{FF2B5EF4-FFF2-40B4-BE49-F238E27FC236}">
+                <a16:creationId xmlns:a16="http://schemas.microsoft.com/office/drawing/2014/main" id="{F5587A50-429D-CB43-81FD-3E2DFAA8F5BE}"/>
               </a:ext>
             </a:extLst>
           </p:cNvPr>
@@ -3464,7 +3468,7 @@
         </p:nvSpPr>
         <p:spPr>
           <a:xfrm>
-            <a:off x="10993821" y="3184634"/>
+            <a:off x="2669628" y="1124607"/>
             <a:ext cx="415498" cy="369332"/>
           </a:xfrm>
           <a:prstGeom prst="rect">
@@ -3480,7 +3484,7 @@
           <a:p>
             <a:r>
               <a:rPr lang="zh-CN" altLang="en-US" dirty="0"/>
-              <a:t>③</a:t>
+              <a:t>④</a:t>
             </a:r>
             <a:endParaRPr kumimoji="1" lang="zh-CN" altLang="en-US" dirty="0"/>
           </a:p>
@@ -3488,10 +3492,10 @@
       </p:sp>
       <p:sp>
         <p:nvSpPr>
-          <p:cNvPr id="6" name="文本框 5">
-            <a:extLst>
-              <a:ext uri="{FF2B5EF4-FFF2-40B4-BE49-F238E27FC236}">
-                <a16:creationId xmlns:a16="http://schemas.microsoft.com/office/drawing/2014/main" id="{6474AB4A-CBFC-A746-B78B-BFE20485A420}"/>
+          <p:cNvPr id="26" name="文本框 25">
+            <a:extLst>
+              <a:ext uri="{FF2B5EF4-FFF2-40B4-BE49-F238E27FC236}">
+                <a16:creationId xmlns:a16="http://schemas.microsoft.com/office/drawing/2014/main" id="{2286630A-00F4-B84F-AE7D-C6FBC761C8FA}"/>
               </a:ext>
             </a:extLst>
           </p:cNvPr>
@@ -3500,7 +3504,7 @@
         </p:nvSpPr>
         <p:spPr>
           <a:xfrm>
-            <a:off x="683172" y="3532945"/>
+            <a:off x="9480332" y="3815255"/>
             <a:ext cx="415498" cy="369332"/>
           </a:xfrm>
           <a:prstGeom prst="rect">
@@ -3524,10 +3528,10 @@
       </p:sp>
       <p:sp>
         <p:nvSpPr>
-          <p:cNvPr id="7" name="文本框 6">
-            <a:extLst>
-              <a:ext uri="{FF2B5EF4-FFF2-40B4-BE49-F238E27FC236}">
-                <a16:creationId xmlns:a16="http://schemas.microsoft.com/office/drawing/2014/main" id="{619D9001-FB4E-D546-987B-1838625ED7CC}"/>
+          <p:cNvPr id="27" name="文本框 26">
+            <a:extLst>
+              <a:ext uri="{FF2B5EF4-FFF2-40B4-BE49-F238E27FC236}">
+                <a16:creationId xmlns:a16="http://schemas.microsoft.com/office/drawing/2014/main" id="{4B89DCF8-B48C-E94B-AD8B-F4247497AE09}"/>
               </a:ext>
             </a:extLst>
           </p:cNvPr>
@@ -3536,8 +3540,8 @@
         </p:nvSpPr>
         <p:spPr>
           <a:xfrm>
-            <a:off x="8576985" y="4687614"/>
-            <a:ext cx="478016" cy="369332"/>
+            <a:off x="9312166" y="1566041"/>
+            <a:ext cx="415498" cy="369332"/>
           </a:xfrm>
           <a:prstGeom prst="rect">
             <a:avLst/>
@@ -3552,7 +3556,7 @@
           <a:p>
             <a:r>
               <a:rPr lang="zh-CN" altLang="en-US" dirty="0"/>
-              <a:t>⑥ </a:t>
+              <a:t>⑥</a:t>
             </a:r>
             <a:endParaRPr kumimoji="1" lang="zh-CN" altLang="en-US" dirty="0"/>
           </a:p>
@@ -3560,10 +3564,10 @@
       </p:sp>
       <p:sp>
         <p:nvSpPr>
-          <p:cNvPr id="8" name="文本框 7">
-            <a:extLst>
-              <a:ext uri="{FF2B5EF4-FFF2-40B4-BE49-F238E27FC236}">
-                <a16:creationId xmlns:a16="http://schemas.microsoft.com/office/drawing/2014/main" id="{9A164743-FCD1-B640-A6B9-9F378DD11466}"/>
+          <p:cNvPr id="28" name="文本框 27">
+            <a:extLst>
+              <a:ext uri="{FF2B5EF4-FFF2-40B4-BE49-F238E27FC236}">
+                <a16:creationId xmlns:a16="http://schemas.microsoft.com/office/drawing/2014/main" id="{416B06FD-17F0-C14B-BACB-AF16844CA4FC}"/>
               </a:ext>
             </a:extLst>
           </p:cNvPr>
@@ -3572,7 +3576,7 @@
         </p:nvSpPr>
         <p:spPr>
           <a:xfrm>
-            <a:off x="735045" y="3140389"/>
+            <a:off x="9080938" y="4204138"/>
             <a:ext cx="415498" cy="369332"/>
           </a:xfrm>
           <a:prstGeom prst="rect">
@@ -3596,10 +3600,10 @@
       </p:sp>
       <p:sp>
         <p:nvSpPr>
-          <p:cNvPr id="9" name="文本框 8">
-            <a:extLst>
-              <a:ext uri="{FF2B5EF4-FFF2-40B4-BE49-F238E27FC236}">
-                <a16:creationId xmlns:a16="http://schemas.microsoft.com/office/drawing/2014/main" id="{488B7A10-EC78-924E-A1B8-B778ECB77CA1}"/>
+          <p:cNvPr id="29" name="文本框 28">
+            <a:extLst>
+              <a:ext uri="{FF2B5EF4-FFF2-40B4-BE49-F238E27FC236}">
+                <a16:creationId xmlns:a16="http://schemas.microsoft.com/office/drawing/2014/main" id="{E267708D-FD4C-8648-83E0-A25A65C0CCDD}"/>
               </a:ext>
             </a:extLst>
           </p:cNvPr>
@@ -3608,7 +3612,7 @@
         </p:nvSpPr>
         <p:spPr>
           <a:xfrm>
-            <a:off x="11045694" y="2978947"/>
+            <a:off x="872359" y="3268717"/>
             <a:ext cx="415498" cy="369332"/>
           </a:xfrm>
           <a:prstGeom prst="rect">
@@ -3632,10 +3636,10 @@
       </p:sp>
       <p:sp>
         <p:nvSpPr>
-          <p:cNvPr id="10" name="文本框 9">
-            <a:extLst>
-              <a:ext uri="{FF2B5EF4-FFF2-40B4-BE49-F238E27FC236}">
-                <a16:creationId xmlns:a16="http://schemas.microsoft.com/office/drawing/2014/main" id="{7C9B59BE-3362-5A45-A231-0DD5553B00A9}"/>
+          <p:cNvPr id="30" name="文本框 29">
+            <a:extLst>
+              <a:ext uri="{FF2B5EF4-FFF2-40B4-BE49-F238E27FC236}">
+                <a16:creationId xmlns:a16="http://schemas.microsoft.com/office/drawing/2014/main" id="{F4E683B0-A6AA-704F-BA59-7BE793992950}"/>
               </a:ext>
             </a:extLst>
           </p:cNvPr>
@@ -3644,7 +3648,7 @@
         </p:nvSpPr>
         <p:spPr>
           <a:xfrm>
-            <a:off x="782681" y="3325055"/>
+            <a:off x="8513379" y="1842251"/>
             <a:ext cx="415498" cy="369332"/>
           </a:xfrm>
           <a:prstGeom prst="rect">
@@ -3668,10 +3672,10 @@
       </p:sp>
       <p:sp>
         <p:nvSpPr>
-          <p:cNvPr id="11" name="文本框 10">
-            <a:extLst>
-              <a:ext uri="{FF2B5EF4-FFF2-40B4-BE49-F238E27FC236}">
-                <a16:creationId xmlns:a16="http://schemas.microsoft.com/office/drawing/2014/main" id="{D8E9643A-7CDC-D643-A9CE-C9A2130C9A1D}"/>
+          <p:cNvPr id="31" name="文本框 30">
+            <a:extLst>
+              <a:ext uri="{FF2B5EF4-FFF2-40B4-BE49-F238E27FC236}">
+                <a16:creationId xmlns:a16="http://schemas.microsoft.com/office/drawing/2014/main" id="{8AEE2C82-12CF-3F47-A61F-D3FE4F7B5855}"/>
               </a:ext>
             </a:extLst>
           </p:cNvPr>
@@ -3680,7 +3684,7 @@
         </p:nvSpPr>
         <p:spPr>
           <a:xfrm>
-            <a:off x="8014343" y="2609615"/>
+            <a:off x="8135007" y="3846786"/>
             <a:ext cx="415498" cy="369332"/>
           </a:xfrm>
           <a:prstGeom prst="rect">
@@ -3704,10 +3708,10 @@
       </p:sp>
       <p:sp>
         <p:nvSpPr>
-          <p:cNvPr id="12" name="文本框 11">
-            <a:extLst>
-              <a:ext uri="{FF2B5EF4-FFF2-40B4-BE49-F238E27FC236}">
-                <a16:creationId xmlns:a16="http://schemas.microsoft.com/office/drawing/2014/main" id="{BB64BDAA-0305-C94B-9CAA-0FA891433087}"/>
+          <p:cNvPr id="32" name="文本框 31">
+            <a:extLst>
+              <a:ext uri="{FF2B5EF4-FFF2-40B4-BE49-F238E27FC236}">
+                <a16:creationId xmlns:a16="http://schemas.microsoft.com/office/drawing/2014/main" id="{D210A70B-696E-7A43-993B-DA5CBB3E36B0}"/>
               </a:ext>
             </a:extLst>
           </p:cNvPr>
@@ -3716,7 +3720,7 @@
         </p:nvSpPr>
         <p:spPr>
           <a:xfrm>
-            <a:off x="10970577" y="3504467"/>
+            <a:off x="3699641" y="3058510"/>
             <a:ext cx="461986" cy="369332"/>
           </a:xfrm>
           <a:prstGeom prst="rect">
@@ -3740,10 +3744,10 @@
       </p:sp>
       <p:sp>
         <p:nvSpPr>
-          <p:cNvPr id="13" name="文本框 12">
-            <a:extLst>
-              <a:ext uri="{FF2B5EF4-FFF2-40B4-BE49-F238E27FC236}">
-                <a16:creationId xmlns:a16="http://schemas.microsoft.com/office/drawing/2014/main" id="{26B31913-B541-2148-BC74-C1D7DDC0E9E8}"/>
+          <p:cNvPr id="33" name="文本框 32">
+            <a:extLst>
+              <a:ext uri="{FF2B5EF4-FFF2-40B4-BE49-F238E27FC236}">
+                <a16:creationId xmlns:a16="http://schemas.microsoft.com/office/drawing/2014/main" id="{E79ED3A4-4E81-E149-9BD4-BCCB88CF2F8A}"/>
               </a:ext>
             </a:extLst>
           </p:cNvPr>
@@ -3752,7 +3756,7 @@
         </p:nvSpPr>
         <p:spPr>
           <a:xfrm>
-            <a:off x="11225962" y="3117848"/>
+            <a:off x="10079421" y="1471448"/>
             <a:ext cx="461986" cy="369332"/>
           </a:xfrm>
           <a:prstGeom prst="rect">
@@ -3776,10 +3780,10 @@
       </p:sp>
       <p:sp>
         <p:nvSpPr>
-          <p:cNvPr id="14" name="文本框 13">
-            <a:extLst>
-              <a:ext uri="{FF2B5EF4-FFF2-40B4-BE49-F238E27FC236}">
-                <a16:creationId xmlns:a16="http://schemas.microsoft.com/office/drawing/2014/main" id="{B8A56C0F-4664-434F-9929-8F4599A13080}"/>
+          <p:cNvPr id="34" name="文本框 33">
+            <a:extLst>
+              <a:ext uri="{FF2B5EF4-FFF2-40B4-BE49-F238E27FC236}">
+                <a16:creationId xmlns:a16="http://schemas.microsoft.com/office/drawing/2014/main" id="{427FC717-FFBB-1441-91F5-34408829C70A}"/>
               </a:ext>
             </a:extLst>
           </p:cNvPr>
@@ -3788,7 +3792,7 @@
         </p:nvSpPr>
         <p:spPr>
           <a:xfrm>
-            <a:off x="469186" y="3071280"/>
+            <a:off x="2301766" y="5633545"/>
             <a:ext cx="461986" cy="369332"/>
           </a:xfrm>
           <a:prstGeom prst="rect">
@@ -3812,10 +3816,10 @@
       </p:sp>
       <p:sp>
         <p:nvSpPr>
-          <p:cNvPr id="15" name="文本框 14">
-            <a:extLst>
-              <a:ext uri="{FF2B5EF4-FFF2-40B4-BE49-F238E27FC236}">
-                <a16:creationId xmlns:a16="http://schemas.microsoft.com/office/drawing/2014/main" id="{DD12DD0F-4711-7D46-A68F-AC4E2F9027CA}"/>
+          <p:cNvPr id="35" name="文本框 34">
+            <a:extLst>
+              <a:ext uri="{FF2B5EF4-FFF2-40B4-BE49-F238E27FC236}">
+                <a16:creationId xmlns:a16="http://schemas.microsoft.com/office/drawing/2014/main" id="{A3D42120-49D1-104E-8D5D-8124C2812CE8}"/>
               </a:ext>
             </a:extLst>
           </p:cNvPr>
@@ -3824,7 +3828,7 @@
         </p:nvSpPr>
         <p:spPr>
           <a:xfrm>
-            <a:off x="915313" y="3175225"/>
+            <a:off x="10930759" y="2953407"/>
             <a:ext cx="461986" cy="369332"/>
           </a:xfrm>
           <a:prstGeom prst="rect">
@@ -3848,10 +3852,10 @@
       </p:sp>
       <p:sp>
         <p:nvSpPr>
-          <p:cNvPr id="16" name="文本框 15">
-            <a:extLst>
-              <a:ext uri="{FF2B5EF4-FFF2-40B4-BE49-F238E27FC236}">
-                <a16:creationId xmlns:a16="http://schemas.microsoft.com/office/drawing/2014/main" id="{1A61C599-65FC-CD4D-8EFA-9DA9FF867BCE}"/>
+          <p:cNvPr id="36" name="文本框 35">
+            <a:extLst>
+              <a:ext uri="{FF2B5EF4-FFF2-40B4-BE49-F238E27FC236}">
+                <a16:creationId xmlns:a16="http://schemas.microsoft.com/office/drawing/2014/main" id="{2C12360E-8C54-B045-8F9A-F9B63482A320}"/>
               </a:ext>
             </a:extLst>
           </p:cNvPr>
@@ -3860,7 +3864,7 @@
         </p:nvSpPr>
         <p:spPr>
           <a:xfrm>
-            <a:off x="8114999" y="3327683"/>
+            <a:off x="410373" y="6127531"/>
             <a:ext cx="461986" cy="369332"/>
           </a:xfrm>
           <a:prstGeom prst="rect">
@@ -3876,7 +3880,7 @@
           <a:p>
             <a:r>
               <a:rPr lang="zh-CN" altLang="en-US" dirty="0"/>
-              <a:t>⑰</a:t>
+              <a:t>⑯</a:t>
             </a:r>
             <a:endParaRPr kumimoji="1" lang="zh-CN" altLang="en-US" dirty="0"/>
           </a:p>
@@ -3884,10 +3888,10 @@
       </p:sp>
       <p:sp>
         <p:nvSpPr>
-          <p:cNvPr id="17" name="文本框 16">
-            <a:extLst>
-              <a:ext uri="{FF2B5EF4-FFF2-40B4-BE49-F238E27FC236}">
-                <a16:creationId xmlns:a16="http://schemas.microsoft.com/office/drawing/2014/main" id="{9979C80A-33A1-454F-B851-E21A009A4741}"/>
+          <p:cNvPr id="37" name="文本框 36">
+            <a:extLst>
+              <a:ext uri="{FF2B5EF4-FFF2-40B4-BE49-F238E27FC236}">
+                <a16:creationId xmlns:a16="http://schemas.microsoft.com/office/drawing/2014/main" id="{2D562A5D-92A5-264A-8FE4-F226E5223881}"/>
               </a:ext>
             </a:extLst>
           </p:cNvPr>
@@ -3896,7 +3900,7 @@
         </p:nvSpPr>
         <p:spPr>
           <a:xfrm>
-            <a:off x="2049517" y="4836229"/>
+            <a:off x="11294173" y="6159061"/>
             <a:ext cx="461986" cy="369332"/>
           </a:xfrm>
           <a:prstGeom prst="rect">
@@ -3912,7 +3916,7 @@
           <a:p>
             <a:r>
               <a:rPr lang="zh-CN" altLang="en-US" dirty="0"/>
-              <a:t>⑱</a:t>
+              <a:t>⑰</a:t>
             </a:r>
             <a:endParaRPr kumimoji="1" lang="zh-CN" altLang="en-US" dirty="0"/>
           </a:p>
@@ -3920,10 +3924,10 @@
       </p:sp>
       <p:sp>
         <p:nvSpPr>
-          <p:cNvPr id="18" name="文本框 17">
-            <a:extLst>
-              <a:ext uri="{FF2B5EF4-FFF2-40B4-BE49-F238E27FC236}">
-                <a16:creationId xmlns:a16="http://schemas.microsoft.com/office/drawing/2014/main" id="{276EA26A-B59E-8046-9BBC-5D2C7414AD05}"/>
+          <p:cNvPr id="38" name="文本框 37">
+            <a:extLst>
+              <a:ext uri="{FF2B5EF4-FFF2-40B4-BE49-F238E27FC236}">
+                <a16:creationId xmlns:a16="http://schemas.microsoft.com/office/drawing/2014/main" id="{6D14CE4F-4C31-E24A-BAC0-ED36CE8B388C}"/>
               </a:ext>
             </a:extLst>
           </p:cNvPr>
@@ -3932,7 +3936,7 @@
         </p:nvSpPr>
         <p:spPr>
           <a:xfrm>
-            <a:off x="9385738" y="2424949"/>
+            <a:off x="11063180" y="3638049"/>
             <a:ext cx="461986" cy="369332"/>
           </a:xfrm>
           <a:prstGeom prst="rect">
@@ -3948,7 +3952,7 @@
           <a:p>
             <a:r>
               <a:rPr lang="zh-CN" altLang="en-US" dirty="0"/>
-              <a:t>⑲</a:t>
+              <a:t>⑱</a:t>
             </a:r>
             <a:endParaRPr kumimoji="1" lang="zh-CN" altLang="en-US" dirty="0"/>
           </a:p>
@@ -3956,10 +3960,10 @@
       </p:sp>
       <p:sp>
         <p:nvSpPr>
-          <p:cNvPr id="19" name="文本框 18">
-            <a:extLst>
-              <a:ext uri="{FF2B5EF4-FFF2-40B4-BE49-F238E27FC236}">
-                <a16:creationId xmlns:a16="http://schemas.microsoft.com/office/drawing/2014/main" id="{2FE43D17-9E50-AB45-8DF5-695A04FC5750}"/>
+          <p:cNvPr id="39" name="文本框 38">
+            <a:extLst>
+              <a:ext uri="{FF2B5EF4-FFF2-40B4-BE49-F238E27FC236}">
+                <a16:creationId xmlns:a16="http://schemas.microsoft.com/office/drawing/2014/main" id="{E599EC82-2107-2B4F-98A3-3E00622AAA8B}"/>
               </a:ext>
             </a:extLst>
           </p:cNvPr>
@@ -3968,7 +3972,7 @@
         </p:nvSpPr>
         <p:spPr>
           <a:xfrm>
-            <a:off x="11178326" y="3369300"/>
+            <a:off x="10957842" y="3376760"/>
             <a:ext cx="461986" cy="369332"/>
           </a:xfrm>
           <a:prstGeom prst="rect">
@@ -3984,7 +3988,7 @@
           <a:p>
             <a:r>
               <a:rPr lang="zh-CN" altLang="en-US" dirty="0"/>
-              <a:t>⑳</a:t>
+              <a:t>⑲</a:t>
             </a:r>
             <a:endParaRPr kumimoji="1" lang="zh-CN" altLang="en-US" dirty="0"/>
           </a:p>
@@ -3992,10 +3996,10 @@
       </p:sp>
       <p:sp>
         <p:nvSpPr>
-          <p:cNvPr id="20" name="文本框 19">
-            <a:extLst>
-              <a:ext uri="{FF2B5EF4-FFF2-40B4-BE49-F238E27FC236}">
-                <a16:creationId xmlns:a16="http://schemas.microsoft.com/office/drawing/2014/main" id="{DA734671-60C9-5542-8ED1-54F0977060AA}"/>
+          <p:cNvPr id="40" name="文本框 39">
+            <a:extLst>
+              <a:ext uri="{FF2B5EF4-FFF2-40B4-BE49-F238E27FC236}">
+                <a16:creationId xmlns:a16="http://schemas.microsoft.com/office/drawing/2014/main" id="{A82179C6-4062-AB41-BC15-4C5818D726A5}"/>
               </a:ext>
             </a:extLst>
           </p:cNvPr>
@@ -4004,8 +4008,8 @@
         </p:nvSpPr>
         <p:spPr>
           <a:xfrm>
-            <a:off x="2543503" y="1040524"/>
-            <a:ext cx="415498" cy="369332"/>
+            <a:off x="824958" y="2996917"/>
+            <a:ext cx="461986" cy="369332"/>
           </a:xfrm>
           <a:prstGeom prst="rect">
             <a:avLst/>
@@ -4020,7 +4024,7 @@
           <a:p>
             <a:r>
               <a:rPr lang="zh-CN" altLang="en-US" dirty="0"/>
-              <a:t>㉑</a:t>
+              <a:t>⑳</a:t>
             </a:r>
             <a:endParaRPr kumimoji="1" lang="zh-CN" altLang="en-US" dirty="0"/>
           </a:p>
@@ -4028,10 +4032,10 @@
       </p:sp>
       <p:sp>
         <p:nvSpPr>
-          <p:cNvPr id="21" name="文本框 20">
-            <a:extLst>
-              <a:ext uri="{FF2B5EF4-FFF2-40B4-BE49-F238E27FC236}">
-                <a16:creationId xmlns:a16="http://schemas.microsoft.com/office/drawing/2014/main" id="{E1156674-B4BB-1943-87EA-621C30090157}"/>
+          <p:cNvPr id="41" name="文本框 40">
+            <a:extLst>
+              <a:ext uri="{FF2B5EF4-FFF2-40B4-BE49-F238E27FC236}">
+                <a16:creationId xmlns:a16="http://schemas.microsoft.com/office/drawing/2014/main" id="{7106520D-8C31-7D44-8849-971AF5B291DD}"/>
               </a:ext>
             </a:extLst>
           </p:cNvPr>
@@ -4040,7 +4044,7 @@
         </p:nvSpPr>
         <p:spPr>
           <a:xfrm>
-            <a:off x="8067116" y="2999968"/>
+            <a:off x="10730487" y="3453383"/>
             <a:ext cx="415498" cy="369332"/>
           </a:xfrm>
           <a:prstGeom prst="rect">
@@ -4056,7 +4060,151 @@
           <a:p>
             <a:r>
               <a:rPr lang="zh-CN" altLang="en-US" dirty="0"/>
+              <a:t>㉑</a:t>
+            </a:r>
+            <a:endParaRPr kumimoji="1" lang="zh-CN" altLang="en-US" dirty="0"/>
+          </a:p>
+        </p:txBody>
+      </p:sp>
+      <p:sp>
+        <p:nvSpPr>
+          <p:cNvPr id="42" name="文本框 41">
+            <a:extLst>
+              <a:ext uri="{FF2B5EF4-FFF2-40B4-BE49-F238E27FC236}">
+                <a16:creationId xmlns:a16="http://schemas.microsoft.com/office/drawing/2014/main" id="{1FA22549-5B6A-2646-BE98-607BF7A8E88B}"/>
+              </a:ext>
+            </a:extLst>
+          </p:cNvPr>
+          <p:cNvSpPr txBox="1"/>
+          <p:nvPr/>
+        </p:nvSpPr>
+        <p:spPr>
+          <a:xfrm>
+            <a:off x="1996966" y="2249214"/>
+            <a:ext cx="415498" cy="369332"/>
+          </a:xfrm>
+          <a:prstGeom prst="rect">
+            <a:avLst/>
+          </a:prstGeom>
+          <a:noFill/>
+        </p:spPr>
+        <p:txBody>
+          <a:bodyPr wrap="none" rtlCol="0">
+            <a:spAutoFit/>
+          </a:bodyPr>
+          <a:lstStyle/>
+          <a:p>
+            <a:r>
+              <a:rPr lang="zh-CN" altLang="en-US" dirty="0"/>
               <a:t>㉒</a:t>
+            </a:r>
+            <a:endParaRPr kumimoji="1" lang="zh-CN" altLang="en-US" dirty="0"/>
+          </a:p>
+        </p:txBody>
+      </p:sp>
+      <p:sp>
+        <p:nvSpPr>
+          <p:cNvPr id="43" name="文本框 42">
+            <a:extLst>
+              <a:ext uri="{FF2B5EF4-FFF2-40B4-BE49-F238E27FC236}">
+                <a16:creationId xmlns:a16="http://schemas.microsoft.com/office/drawing/2014/main" id="{9B61072B-4A0B-AE45-8CCA-4384AEACE602}"/>
+              </a:ext>
+            </a:extLst>
+          </p:cNvPr>
+          <p:cNvSpPr txBox="1"/>
+          <p:nvPr/>
+        </p:nvSpPr>
+        <p:spPr>
+          <a:xfrm>
+            <a:off x="11246644" y="3306127"/>
+            <a:ext cx="415498" cy="369332"/>
+          </a:xfrm>
+          <a:prstGeom prst="rect">
+            <a:avLst/>
+          </a:prstGeom>
+          <a:noFill/>
+        </p:spPr>
+        <p:txBody>
+          <a:bodyPr wrap="none" rtlCol="0">
+            <a:spAutoFit/>
+          </a:bodyPr>
+          <a:lstStyle/>
+          <a:p>
+            <a:r>
+              <a:rPr lang="zh-CN" altLang="en-US" dirty="0"/>
+              <a:t>㉓</a:t>
+            </a:r>
+            <a:endParaRPr kumimoji="1" lang="zh-CN" altLang="en-US" dirty="0"/>
+          </a:p>
+        </p:txBody>
+      </p:sp>
+      <p:sp>
+        <p:nvSpPr>
+          <p:cNvPr id="44" name="文本框 43">
+            <a:extLst>
+              <a:ext uri="{FF2B5EF4-FFF2-40B4-BE49-F238E27FC236}">
+                <a16:creationId xmlns:a16="http://schemas.microsoft.com/office/drawing/2014/main" id="{22DB3208-1D7D-6343-90AA-30169B31D6FB}"/>
+              </a:ext>
+            </a:extLst>
+          </p:cNvPr>
+          <p:cNvSpPr txBox="1"/>
+          <p:nvPr/>
+        </p:nvSpPr>
+        <p:spPr>
+          <a:xfrm>
+            <a:off x="664610" y="6127531"/>
+            <a:ext cx="415498" cy="369332"/>
+          </a:xfrm>
+          <a:prstGeom prst="rect">
+            <a:avLst/>
+          </a:prstGeom>
+          <a:noFill/>
+        </p:spPr>
+        <p:txBody>
+          <a:bodyPr wrap="none" rtlCol="0">
+            <a:spAutoFit/>
+          </a:bodyPr>
+          <a:lstStyle/>
+          <a:p>
+            <a:r>
+              <a:rPr lang="zh-CN" altLang="en-US" dirty="0"/>
+              <a:t>㉔</a:t>
+            </a:r>
+            <a:endParaRPr kumimoji="1" lang="zh-CN" altLang="en-US" dirty="0"/>
+          </a:p>
+        </p:txBody>
+      </p:sp>
+      <p:sp>
+        <p:nvSpPr>
+          <p:cNvPr id="45" name="文本框 44">
+            <a:extLst>
+              <a:ext uri="{FF2B5EF4-FFF2-40B4-BE49-F238E27FC236}">
+                <a16:creationId xmlns:a16="http://schemas.microsoft.com/office/drawing/2014/main" id="{E50D4197-4EC0-7A4B-B9E1-BC4CCBB783D7}"/>
+              </a:ext>
+            </a:extLst>
+          </p:cNvPr>
+          <p:cNvSpPr txBox="1"/>
+          <p:nvPr/>
+        </p:nvSpPr>
+        <p:spPr>
+          <a:xfrm>
+            <a:off x="11048831" y="3143751"/>
+            <a:ext cx="415498" cy="369332"/>
+          </a:xfrm>
+          <a:prstGeom prst="rect">
+            <a:avLst/>
+          </a:prstGeom>
+          <a:noFill/>
+        </p:spPr>
+        <p:txBody>
+          <a:bodyPr wrap="none" rtlCol="0">
+            <a:spAutoFit/>
+          </a:bodyPr>
+          <a:lstStyle/>
+          <a:p>
+            <a:r>
+              <a:rPr lang="zh-CN" altLang="en-US" dirty="0"/>
+              <a:t>㉗</a:t>
             </a:r>
             <a:endParaRPr kumimoji="1" lang="zh-CN" altLang="en-US" dirty="0"/>
           </a:p>
